--- a/lesson_3/Presentation/Object_methods.pptx
+++ b/lesson_3/Presentation/Object_methods.pptx
@@ -116,7 +116,7 @@
   </p:defaultTextStyle>
   <p:extLst>
     <p:ext uri="{EFAFB233-063F-42B5-8137-9DF3F51BA10A}">
-      <p15:sldGuideLst xmlns:p15="http://schemas.microsoft.com/office/powerpoint/2012/main" xmlns="">
+      <p15:sldGuideLst xmlns:p15="http://schemas.microsoft.com/office/powerpoint/2012/main">
         <p15:guide id="1" orient="horz" pos="1620">
           <p15:clr>
             <a:srgbClr val="A4A3A4"/>
@@ -140,7 +140,7 @@
       </p15:sldGuideLst>
     </p:ext>
     <p:ext uri="{2D200454-40CA-4A62-9FC3-DE9A4176ACB9}">
-      <p15:notesGuideLst xmlns:p15="http://schemas.microsoft.com/office/powerpoint/2012/main" xmlns="">
+      <p15:notesGuideLst xmlns:p15="http://schemas.microsoft.com/office/powerpoint/2012/main">
         <p15:guide id="1" orient="horz" pos="2880">
           <p15:clr>
             <a:srgbClr val="A4A3A4"/>
@@ -240,7 +240,7 @@
             <a:fld id="{C1951A84-8083-4F68-A786-57C80B44AB3C}" type="datetimeFigureOut">
               <a:rPr lang="en-US" smtClean="0"/>
               <a:pPr/>
-              <a:t>6/11/2016</a:t>
+              <a:t>6/15/2016</a:t>
             </a:fld>
             <a:endParaRPr lang="en-US"/>
           </a:p>
@@ -316,7 +316,7 @@
     </p:spTree>
     <p:extLst>
       <p:ext uri="{BB962C8B-B14F-4D97-AF65-F5344CB8AC3E}">
-        <p14:creationId xmlns:p14="http://schemas.microsoft.com/office/powerpoint/2010/main" xmlns="" val="171833131"/>
+        <p14:creationId xmlns:p14="http://schemas.microsoft.com/office/powerpoint/2010/main" val="171833131"/>
       </p:ext>
     </p:extLst>
   </p:cSld>
@@ -407,7 +407,7 @@
             <a:fld id="{F938EB94-4B54-4539-BEE7-C3885B42E71C}" type="datetimeFigureOut">
               <a:rPr lang="en-US" smtClean="0"/>
               <a:pPr/>
-              <a:t>6/11/2016</a:t>
+              <a:t>6/15/2016</a:t>
             </a:fld>
             <a:endParaRPr lang="en-US"/>
           </a:p>
@@ -471,38 +471,37 @@
           <a:p>
             <a:pPr lvl="0"/>
             <a:r>
-              <a:rPr lang="en-US" smtClean="0"/>
+              <a:rPr lang="en-US"/>
               <a:t>Click to edit Master text styles</a:t>
             </a:r>
           </a:p>
           <a:p>
             <a:pPr lvl="1"/>
             <a:r>
-              <a:rPr lang="en-US" smtClean="0"/>
+              <a:rPr lang="en-US"/>
               <a:t>Second level</a:t>
             </a:r>
           </a:p>
           <a:p>
             <a:pPr lvl="2"/>
             <a:r>
-              <a:rPr lang="en-US" smtClean="0"/>
+              <a:rPr lang="en-US"/>
               <a:t>Third level</a:t>
             </a:r>
           </a:p>
           <a:p>
             <a:pPr lvl="3"/>
             <a:r>
-              <a:rPr lang="en-US" smtClean="0"/>
+              <a:rPr lang="en-US"/>
               <a:t>Fourth level</a:t>
             </a:r>
           </a:p>
           <a:p>
             <a:pPr lvl="4"/>
             <a:r>
-              <a:rPr lang="en-US" smtClean="0"/>
+              <a:rPr lang="en-US"/>
               <a:t>Fifth level</a:t>
             </a:r>
-            <a:endParaRPr lang="en-US"/>
           </a:p>
         </p:txBody>
       </p:sp>
@@ -576,7 +575,7 @@
     </p:spTree>
     <p:extLst>
       <p:ext uri="{BB962C8B-B14F-4D97-AF65-F5344CB8AC3E}">
-        <p14:creationId xmlns:p14="http://schemas.microsoft.com/office/powerpoint/2010/main" xmlns="" val="4273275644"/>
+        <p14:creationId xmlns:p14="http://schemas.microsoft.com/office/powerpoint/2010/main" val="4273275644"/>
       </p:ext>
     </p:extLst>
   </p:cSld>
@@ -731,10 +730,9 @@
           </a:lstStyle>
           <a:p>
             <a:r>
-              <a:rPr lang="en-US" dirty="0" smtClean="0"/>
+              <a:rPr lang="en-US" dirty="0"/>
               <a:t>title style</a:t>
             </a:r>
-            <a:endParaRPr lang="en-US" dirty="0"/>
           </a:p>
         </p:txBody>
       </p:sp>
@@ -854,10 +852,9 @@
           </a:lstStyle>
           <a:p>
             <a:r>
-              <a:rPr lang="en-US" dirty="0" smtClean="0"/>
+              <a:rPr lang="en-US" dirty="0"/>
               <a:t>Click to edit Master subtitle style</a:t>
             </a:r>
-            <a:endParaRPr lang="en-US" dirty="0"/>
           </a:p>
         </p:txBody>
       </p:sp>
@@ -1183,20 +1180,13 @@
     </p:spTree>
     <p:extLst>
       <p:ext uri="{BB962C8B-B14F-4D97-AF65-F5344CB8AC3E}">
-        <p14:creationId xmlns:p14="http://schemas.microsoft.com/office/powerpoint/2010/main" xmlns="" val="3537187278"/>
+        <p14:creationId xmlns:p14="http://schemas.microsoft.com/office/powerpoint/2010/main" val="3537187278"/>
       </p:ext>
     </p:extLst>
   </p:cSld>
   <p:clrMapOvr>
     <a:overrideClrMapping bg1="lt1" tx1="dk1" bg2="lt2" tx2="dk2" accent1="accent1" accent2="accent2" accent3="accent3" accent4="accent4" accent5="accent5" accent6="accent6" hlink="hlink" folHlink="folHlink"/>
   </p:clrMapOvr>
-  <p:timing>
-    <p:tnLst>
-      <p:par>
-        <p:cTn id="1" dur="indefinite" restart="never" nodeType="tmRoot"/>
-      </p:par>
-    </p:tnLst>
-  </p:timing>
 </p:sldLayout>
 </file>
 
@@ -1229,7 +1219,7 @@
           <a:blip r:embed="rId2" cstate="print">
             <a:extLst>
               <a:ext uri="{28A0092B-C50C-407E-A947-70E740481C1C}">
-                <a14:useLocalDpi xmlns:a14="http://schemas.microsoft.com/office/drawing/2010/main" xmlns="" val="0"/>
+                <a14:useLocalDpi xmlns:a14="http://schemas.microsoft.com/office/drawing/2010/main" val="0"/>
               </a:ext>
             </a:extLst>
           </a:blip>
@@ -1253,14 +1243,14 @@
           <a:effectLst/>
           <a:extLst>
             <a:ext uri="{909E8E84-426E-40DD-AFC4-6F175D3DCCD1}">
-              <a14:hiddenFill xmlns:a14="http://schemas.microsoft.com/office/drawing/2010/main" xmlns="">
+              <a14:hiddenFill xmlns:a14="http://schemas.microsoft.com/office/drawing/2010/main">
                 <a:solidFill>
                   <a:schemeClr val="accent1"/>
                 </a:solidFill>
               </a14:hiddenFill>
             </a:ext>
             <a:ext uri="{91240B29-F687-4F45-9708-019B960494DF}">
-              <a14:hiddenLine xmlns:a14="http://schemas.microsoft.com/office/drawing/2010/main" xmlns="" w="9525">
+              <a14:hiddenLine xmlns:a14="http://schemas.microsoft.com/office/drawing/2010/main" w="9525">
                 <a:solidFill>
                   <a:schemeClr val="tx1"/>
                 </a:solidFill>
@@ -1270,7 +1260,7 @@
               </a14:hiddenLine>
             </a:ext>
             <a:ext uri="{AF507438-7753-43E0-B8FC-AC1667EBCBE1}">
-              <a14:hiddenEffects xmlns:a14="http://schemas.microsoft.com/office/drawing/2010/main" xmlns="">
+              <a14:hiddenEffects xmlns:a14="http://schemas.microsoft.com/office/drawing/2010/main">
                 <a:effectLst>
                   <a:outerShdw dist="35921" dir="2700000" algn="ctr" rotWithShape="0">
                     <a:schemeClr val="bg2"/>
@@ -1365,10 +1355,9 @@
           </a:lstStyle>
           <a:p>
             <a:r>
-              <a:rPr lang="en-US" dirty="0" smtClean="0"/>
+              <a:rPr lang="en-US" dirty="0"/>
               <a:t>Click to edit Master title style</a:t>
             </a:r>
-            <a:endParaRPr lang="en-US" dirty="0"/>
           </a:p>
         </p:txBody>
       </p:sp>
@@ -1402,7 +1391,7 @@
           <a:p>
             <a:pPr lvl="4"/>
             <a:r>
-              <a:rPr lang="en-US" dirty="0" smtClean="0"/>
+              <a:rPr lang="en-US" dirty="0"/>
               <a:t>Subtitle</a:t>
             </a:r>
           </a:p>
@@ -1411,20 +1400,13 @@
     </p:spTree>
     <p:extLst>
       <p:ext uri="{BB962C8B-B14F-4D97-AF65-F5344CB8AC3E}">
-        <p14:creationId xmlns:p14="http://schemas.microsoft.com/office/powerpoint/2010/main" xmlns="" val="2097366919"/>
+        <p14:creationId xmlns:p14="http://schemas.microsoft.com/office/powerpoint/2010/main" val="2097366919"/>
       </p:ext>
     </p:extLst>
   </p:cSld>
   <p:clrMapOvr>
     <a:masterClrMapping/>
   </p:clrMapOvr>
-  <p:timing>
-    <p:tnLst>
-      <p:par>
-        <p:cTn id="1" dur="indefinite" restart="never" nodeType="tmRoot"/>
-      </p:par>
-    </p:tnLst>
-  </p:timing>
 </p:sldLayout>
 </file>
 
@@ -1476,17 +1458,16 @@
           <a:lstStyle/>
           <a:p>
             <a:r>
-              <a:rPr lang="en-US" smtClean="0"/>
+              <a:rPr lang="en-US"/>
               <a:t>Click to edit Master title style</a:t>
             </a:r>
-            <a:endParaRPr lang="en-US"/>
           </a:p>
         </p:txBody>
       </p:sp>
     </p:spTree>
     <p:extLst>
       <p:ext uri="{BB962C8B-B14F-4D97-AF65-F5344CB8AC3E}">
-        <p14:creationId xmlns:p14="http://schemas.microsoft.com/office/powerpoint/2010/main" xmlns="" val="779007194"/>
+        <p14:creationId xmlns:p14="http://schemas.microsoft.com/office/powerpoint/2010/main" val="779007194"/>
       </p:ext>
     </p:extLst>
   </p:cSld>
@@ -1495,13 +1476,6 @@
     <p:sldLayoutId id="2147483649" r:id="rId1"/>
     <p:sldLayoutId id="2147483650" r:id="rId2"/>
   </p:sldLayoutIdLst>
-  <p:timing>
-    <p:tnLst>
-      <p:par>
-        <p:cTn id="1" dur="indefinite" restart="never" nodeType="tmRoot"/>
-      </p:par>
-    </p:tnLst>
-  </p:timing>
   <p:txStyles>
     <p:titleStyle>
       <a:lvl1pPr algn="ctr" defTabSz="914400" rtl="0" eaLnBrk="1" latinLnBrk="0" hangingPunct="1">
@@ -1841,7 +1815,7 @@
           <a:lstStyle/>
           <a:p>
             <a:r>
-              <a:rPr lang="ru-RU" sz="2700" dirty="0" smtClean="0">
+              <a:rPr lang="ru-RU" sz="2700" dirty="0">
                 <a:solidFill>
                   <a:schemeClr val="bg1"/>
                 </a:solidFill>
@@ -1852,7 +1826,7 @@
               <a:t>Контекст</a:t>
             </a:r>
             <a:r>
-              <a:rPr lang="en-US" sz="2700" dirty="0" smtClean="0">
+              <a:rPr lang="en-US" sz="2700" dirty="0">
                 <a:solidFill>
                   <a:schemeClr val="bg1"/>
                 </a:solidFill>
@@ -1863,7 +1837,7 @@
               <a:t> </a:t>
             </a:r>
             <a:r>
-              <a:rPr lang="ru-RU" sz="2700" dirty="0" smtClean="0">
+              <a:rPr lang="ru-RU" sz="2700" dirty="0">
                 <a:solidFill>
                   <a:schemeClr val="bg1"/>
                 </a:solidFill>
@@ -2062,7 +2036,7 @@
           </a:lstStyle>
           <a:p>
             <a:r>
-              <a:rPr lang="en-US" sz="2700" dirty="0" smtClean="0">
+              <a:rPr lang="en-US" sz="2700" dirty="0">
                 <a:solidFill>
                   <a:schemeClr val="tx1">
                     <a:lumMod val="90000"/>
@@ -2075,17 +2049,6 @@
               </a:rPr>
               <a:t>The JavaScript Programming Language</a:t>
             </a:r>
-            <a:endParaRPr lang="en-US" sz="2700" dirty="0">
-              <a:solidFill>
-                <a:schemeClr val="tx1">
-                  <a:lumMod val="90000"/>
-                  <a:lumOff val="10000"/>
-                </a:schemeClr>
-              </a:solidFill>
-              <a:latin typeface="Roboto Light" panose="02000000000000000000" pitchFamily="2" charset="0"/>
-              <a:ea typeface="Roboto Light" panose="02000000000000000000" pitchFamily="2" charset="0"/>
-              <a:cs typeface="Roboto Light" panose="02000000000000000000" pitchFamily="2" charset="0"/>
-            </a:endParaRPr>
           </a:p>
         </p:txBody>
       </p:sp>
@@ -2101,7 +2064,7 @@
           <a:blip r:embed="rId2" cstate="print">
             <a:extLst>
               <a:ext uri="{28A0092B-C50C-407E-A947-70E740481C1C}">
-                <a14:useLocalDpi xmlns:a14="http://schemas.microsoft.com/office/drawing/2010/main" xmlns="" val="0"/>
+                <a14:useLocalDpi xmlns:a14="http://schemas.microsoft.com/office/drawing/2010/main" val="0"/>
               </a:ext>
             </a:extLst>
           </a:blip>
@@ -2121,7 +2084,7 @@
           <a:noFill/>
           <a:extLst>
             <a:ext uri="{909E8E84-426E-40DD-AFC4-6F175D3DCCD1}">
-              <a14:hiddenFill xmlns:a14="http://schemas.microsoft.com/office/drawing/2010/main" xmlns="">
+              <a14:hiddenFill xmlns:a14="http://schemas.microsoft.com/office/drawing/2010/main">
                 <a:solidFill>
                   <a:srgbClr val="FFFFFF"/>
                 </a:solidFill>
@@ -2153,7 +2116,7 @@
           <a:lstStyle/>
           <a:p>
             <a:r>
-              <a:rPr lang="ru-RU" sz="4400" dirty="0" smtClean="0">
+              <a:rPr lang="ru-RU" sz="4400" dirty="0">
                 <a:solidFill>
                   <a:srgbClr val="7564BC"/>
                 </a:solidFill>
@@ -2170,20 +2133,13 @@
     </p:spTree>
     <p:extLst>
       <p:ext uri="{BB962C8B-B14F-4D97-AF65-F5344CB8AC3E}">
-        <p14:creationId xmlns:p14="http://schemas.microsoft.com/office/powerpoint/2010/main" xmlns="" val="3436223543"/>
+        <p14:creationId xmlns:p14="http://schemas.microsoft.com/office/powerpoint/2010/main" val="3436223543"/>
       </p:ext>
     </p:extLst>
   </p:cSld>
   <p:clrMapOvr>
     <a:masterClrMapping/>
   </p:clrMapOvr>
-  <p:timing>
-    <p:tnLst>
-      <p:par>
-        <p:cTn id="1" dur="indefinite" restart="never" nodeType="tmRoot"/>
-      </p:par>
-    </p:tnLst>
-  </p:timing>
 </p:sld>
 </file>
 
@@ -2220,8 +2176,8 @@
           <a:lstStyle/>
           <a:p>
             <a:r>
-              <a:rPr lang="ru-RU" dirty="0" smtClean="0"/>
-              <a:t>Методы у объектов</a:t>
+              <a:rPr lang="ru-RU" dirty="0"/>
+              <a:t>Методы</a:t>
             </a:r>
             <a:endParaRPr lang="en-US" dirty="0"/>
           </a:p>
@@ -2236,7 +2192,7 @@
         <p:spPr>
           <a:xfrm>
             <a:off x="731520" y="1108710"/>
-            <a:ext cx="7680960" cy="3416320"/>
+            <a:ext cx="7680960" cy="2677656"/>
           </a:xfrm>
           <a:prstGeom prst="rect">
             <a:avLst/>
@@ -2251,124 +2207,172 @@
           <a:p>
             <a:pPr algn="just"/>
             <a:r>
-              <a:rPr lang="ru-RU" dirty="0" smtClean="0"/>
-              <a:t>Свойства-функции называют «методами» объектов. Их можно добавлять и удалять в любой момент, в том числе и явным </a:t>
-            </a:r>
-            <a:r>
-              <a:rPr lang="ru-RU" dirty="0" smtClean="0"/>
-              <a:t>присваиванием. </a:t>
-            </a:r>
-            <a:endParaRPr lang="ru-RU" dirty="0" smtClean="0"/>
+              <a:rPr lang="ru-RU" sz="1400" dirty="0">
+                <a:latin typeface="Calibri" panose="020F0502020204030204" pitchFamily="34" charset="0"/>
+              </a:rPr>
+              <a:t>Свойства-функции называют «методами» объектов. Их можно добавлять и удалять в любой момент, в том числе и явным присваиванием. </a:t>
+            </a:r>
           </a:p>
           <a:p>
             <a:pPr algn="just"/>
-            <a:r>
-              <a:rPr lang="en-US" dirty="0" smtClean="0"/>
+            <a:endParaRPr lang="ru-RU" sz="1400" dirty="0">
+              <a:latin typeface="Calibri" panose="020F0502020204030204" pitchFamily="34" charset="0"/>
+            </a:endParaRPr>
+          </a:p>
+          <a:p>
+            <a:pPr algn="just"/>
+            <a:r>
+              <a:rPr lang="en-US" sz="1400" dirty="0">
+                <a:latin typeface="Calibri" panose="020F0502020204030204" pitchFamily="34" charset="0"/>
+              </a:rPr>
               <a:t> 			 </a:t>
             </a:r>
             <a:r>
-              <a:rPr lang="ru-RU" dirty="0" smtClean="0"/>
+              <a:rPr lang="ru-RU" sz="1400" dirty="0">
+                <a:latin typeface="Calibri" panose="020F0502020204030204" pitchFamily="34" charset="0"/>
+              </a:rPr>
               <a:t>Например</a:t>
             </a:r>
             <a:r>
-              <a:rPr lang="en-US" dirty="0" smtClean="0"/>
+              <a:rPr lang="en-US" sz="1400" dirty="0">
+                <a:latin typeface="Calibri" panose="020F0502020204030204" pitchFamily="34" charset="0"/>
+              </a:rPr>
               <a:t>: </a:t>
             </a:r>
           </a:p>
           <a:p>
-            <a:endParaRPr lang="en-US" dirty="0" smtClean="0"/>
-          </a:p>
-          <a:p>
-            <a:r>
-              <a:rPr lang="en-US" dirty="0" err="1" smtClean="0">
+            <a:endParaRPr lang="en-US" sz="1400" dirty="0">
+              <a:latin typeface="Calibri" panose="020F0502020204030204" pitchFamily="34" charset="0"/>
+            </a:endParaRPr>
+          </a:p>
+          <a:p>
+            <a:r>
+              <a:rPr lang="en-US" sz="1400" dirty="0" err="1">
                 <a:solidFill>
                   <a:schemeClr val="accent1">
                     <a:lumMod val="75000"/>
                   </a:schemeClr>
                 </a:solidFill>
+                <a:latin typeface="Calibri" panose="020F0502020204030204" pitchFamily="34" charset="0"/>
               </a:rPr>
               <a:t>var</a:t>
             </a:r>
             <a:r>
-              <a:rPr lang="en-US" dirty="0" smtClean="0">
+              <a:rPr lang="en-US" sz="1400" dirty="0">
                 <a:solidFill>
                   <a:schemeClr val="accent1">
                     <a:lumMod val="75000"/>
                   </a:schemeClr>
                 </a:solidFill>
+                <a:latin typeface="Calibri" panose="020F0502020204030204" pitchFamily="34" charset="0"/>
               </a:rPr>
               <a:t> </a:t>
             </a:r>
             <a:r>
-              <a:rPr lang="en-US" dirty="0" smtClean="0"/>
+              <a:rPr lang="en-US" sz="1400" dirty="0">
+                <a:latin typeface="Calibri" panose="020F0502020204030204" pitchFamily="34" charset="0"/>
+              </a:rPr>
               <a:t>user = { </a:t>
             </a:r>
-            <a:endParaRPr lang="en-US" dirty="0" smtClean="0"/>
-          </a:p>
-          <a:p>
-            <a:endParaRPr lang="en-US" dirty="0" smtClean="0"/>
-          </a:p>
-          <a:p>
-            <a:r>
-              <a:rPr lang="en-US" dirty="0" smtClean="0"/>
-              <a:t>name</a:t>
-            </a:r>
-            <a:r>
-              <a:rPr lang="en-US" dirty="0" smtClean="0"/>
-              <a:t>: '</a:t>
-            </a:r>
-            <a:r>
-              <a:rPr lang="uk-UA" dirty="0" err="1" smtClean="0"/>
+          </a:p>
+          <a:p>
+            <a:r>
+              <a:rPr lang="ru-RU" sz="1400" dirty="0">
+                <a:latin typeface="Calibri" panose="020F0502020204030204" pitchFamily="34" charset="0"/>
+              </a:rPr>
+              <a:t>      </a:t>
+            </a:r>
+            <a:r>
+              <a:rPr lang="en-US" sz="1400" dirty="0">
+                <a:latin typeface="Calibri" panose="020F0502020204030204" pitchFamily="34" charset="0"/>
+              </a:rPr>
+              <a:t>name: '</a:t>
+            </a:r>
+            <a:r>
+              <a:rPr lang="uk-UA" sz="1400" dirty="0" err="1">
+                <a:latin typeface="Calibri" panose="020F0502020204030204" pitchFamily="34" charset="0"/>
+              </a:rPr>
               <a:t>Василий'</a:t>
             </a:r>
             <a:r>
-              <a:rPr lang="uk-UA" dirty="0" smtClean="0"/>
+              <a:rPr lang="uk-UA" sz="1400" dirty="0">
+                <a:latin typeface="Calibri" panose="020F0502020204030204" pitchFamily="34" charset="0"/>
+              </a:rPr>
               <a:t>, </a:t>
             </a:r>
-            <a:endParaRPr lang="en-US" dirty="0" smtClean="0"/>
-          </a:p>
-          <a:p>
-            <a:r>
-              <a:rPr lang="en-US" dirty="0" err="1" smtClean="0"/>
+            <a:endParaRPr lang="en-US" sz="1400" dirty="0">
+              <a:latin typeface="Calibri" panose="020F0502020204030204" pitchFamily="34" charset="0"/>
+            </a:endParaRPr>
+          </a:p>
+          <a:p>
+            <a:r>
+              <a:rPr lang="ru-RU" sz="1400" dirty="0">
+                <a:latin typeface="Calibri" panose="020F0502020204030204" pitchFamily="34" charset="0"/>
+              </a:rPr>
+              <a:t>       </a:t>
+            </a:r>
+            <a:r>
+              <a:rPr lang="en-US" sz="1400" dirty="0" err="1">
+                <a:latin typeface="Calibri" panose="020F0502020204030204" pitchFamily="34" charset="0"/>
+              </a:rPr>
               <a:t>sayHi</a:t>
             </a:r>
             <a:r>
-              <a:rPr lang="en-US" dirty="0" smtClean="0"/>
+              <a:rPr lang="en-US" sz="1400" dirty="0">
+                <a:latin typeface="Calibri" panose="020F0502020204030204" pitchFamily="34" charset="0"/>
+              </a:rPr>
               <a:t>: function() { alert( '</a:t>
             </a:r>
             <a:r>
-              <a:rPr lang="uk-UA" dirty="0" err="1" smtClean="0"/>
+              <a:rPr lang="uk-UA" sz="1400" dirty="0" err="1">
+                <a:latin typeface="Calibri" panose="020F0502020204030204" pitchFamily="34" charset="0"/>
+              </a:rPr>
               <a:t>Привет</a:t>
             </a:r>
             <a:r>
-              <a:rPr lang="uk-UA" dirty="0" smtClean="0"/>
+              <a:rPr lang="uk-UA" sz="1400" dirty="0">
+                <a:latin typeface="Calibri" panose="020F0502020204030204" pitchFamily="34" charset="0"/>
+              </a:rPr>
               <a:t>!' ); } </a:t>
             </a:r>
-            <a:endParaRPr lang="en-US" dirty="0" smtClean="0"/>
-          </a:p>
-          <a:p>
-            <a:r>
-              <a:rPr lang="en-US" dirty="0" smtClean="0"/>
+            <a:endParaRPr lang="en-US" sz="1400" dirty="0">
+              <a:latin typeface="Calibri" panose="020F0502020204030204" pitchFamily="34" charset="0"/>
+            </a:endParaRPr>
+          </a:p>
+          <a:p>
+            <a:r>
+              <a:rPr lang="en-US" sz="1400" dirty="0">
+                <a:latin typeface="Calibri" panose="020F0502020204030204" pitchFamily="34" charset="0"/>
+              </a:rPr>
               <a:t>}</a:t>
             </a:r>
           </a:p>
           <a:p>
-            <a:r>
-              <a:rPr lang="en-US" dirty="0" err="1" smtClean="0"/>
+            <a:endParaRPr lang="ru-RU" sz="1400" dirty="0">
+              <a:latin typeface="Calibri" panose="020F0502020204030204" pitchFamily="34" charset="0"/>
+            </a:endParaRPr>
+          </a:p>
+          <a:p>
+            <a:r>
+              <a:rPr lang="en-US" sz="1400" dirty="0" err="1">
+                <a:latin typeface="Calibri" panose="020F0502020204030204" pitchFamily="34" charset="0"/>
+              </a:rPr>
               <a:t>user.sayHi</a:t>
             </a:r>
             <a:r>
-              <a:rPr lang="en-US" dirty="0" smtClean="0"/>
+              <a:rPr lang="en-US" sz="1400" dirty="0">
+                <a:latin typeface="Calibri" panose="020F0502020204030204" pitchFamily="34" charset="0"/>
+              </a:rPr>
               <a:t>();</a:t>
             </a:r>
-            <a:r>
-              <a:rPr lang="uk-UA" dirty="0" smtClean="0"/>
-              <a:t/>
-            </a:r>
             <a:br>
-              <a:rPr lang="uk-UA" dirty="0" smtClean="0"/>
+              <a:rPr lang="uk-UA" sz="1400" dirty="0">
+                <a:latin typeface="Calibri" panose="020F0502020204030204" pitchFamily="34" charset="0"/>
+              </a:rPr>
             </a:br>
-            <a:endParaRPr lang="en-US" dirty="0"/>
+            <a:endParaRPr lang="en-US" sz="1400" dirty="0">
+              <a:latin typeface="Calibri" panose="020F0502020204030204" pitchFamily="34" charset="0"/>
+            </a:endParaRPr>
           </a:p>
         </p:txBody>
       </p:sp>
@@ -2380,8 +2384,8 @@
         </p:nvSpPr>
         <p:spPr>
           <a:xfrm>
-            <a:off x="4937760" y="2388870"/>
-            <a:ext cx="3749040" cy="1754326"/>
+            <a:off x="5075983" y="2205990"/>
+            <a:ext cx="3749040" cy="1169551"/>
           </a:xfrm>
           <a:prstGeom prst="rect">
             <a:avLst/>
@@ -2395,104 +2399,121 @@
           <a:lstStyle/>
           <a:p>
             <a:r>
-              <a:rPr lang="en-US" dirty="0" err="1" smtClean="0">
+              <a:rPr lang="en-US" sz="1400" dirty="0" err="1">
                 <a:solidFill>
                   <a:schemeClr val="accent1">
                     <a:lumMod val="75000"/>
                   </a:schemeClr>
                 </a:solidFill>
+                <a:latin typeface="Calibri" panose="020F0502020204030204" pitchFamily="34" charset="0"/>
               </a:rPr>
               <a:t>var</a:t>
             </a:r>
             <a:r>
-              <a:rPr lang="en-US" dirty="0" smtClean="0"/>
+              <a:rPr lang="en-US" sz="1400" dirty="0">
+                <a:latin typeface="Calibri" panose="020F0502020204030204" pitchFamily="34" charset="0"/>
+              </a:rPr>
               <a:t> user = { name: '</a:t>
             </a:r>
             <a:r>
-              <a:rPr lang="uk-UA" dirty="0" err="1" smtClean="0"/>
+              <a:rPr lang="uk-UA" sz="1400" dirty="0" err="1">
+                <a:latin typeface="Calibri" panose="020F0502020204030204" pitchFamily="34" charset="0"/>
+              </a:rPr>
               <a:t>Василий'</a:t>
             </a:r>
             <a:r>
-              <a:rPr lang="uk-UA" dirty="0" smtClean="0"/>
+              <a:rPr lang="uk-UA" sz="1400" dirty="0">
+                <a:latin typeface="Calibri" panose="020F0502020204030204" pitchFamily="34" charset="0"/>
+              </a:rPr>
+              <a:t> };</a:t>
+            </a:r>
+            <a:endParaRPr lang="en-US" sz="1400" dirty="0">
+              <a:latin typeface="Calibri" panose="020F0502020204030204" pitchFamily="34" charset="0"/>
+            </a:endParaRPr>
+          </a:p>
+          <a:p>
+            <a:endParaRPr lang="en-US" sz="1400" dirty="0">
+              <a:latin typeface="Calibri" panose="020F0502020204030204" pitchFamily="34" charset="0"/>
+            </a:endParaRPr>
+          </a:p>
+          <a:p>
+            <a:r>
+              <a:rPr lang="en-US" sz="1400" dirty="0" err="1">
+                <a:latin typeface="Calibri" panose="020F0502020204030204" pitchFamily="34" charset="0"/>
+              </a:rPr>
+              <a:t>user.sayHi</a:t>
+            </a:r>
+            <a:r>
+              <a:rPr lang="en-US" sz="1400" dirty="0">
+                <a:latin typeface="Calibri" panose="020F0502020204030204" pitchFamily="34" charset="0"/>
+              </a:rPr>
+              <a:t> = function() {</a:t>
+            </a:r>
+            <a:r>
+              <a:rPr lang="uk-UA" sz="1400" dirty="0">
+                <a:latin typeface="Calibri" panose="020F0502020204030204" pitchFamily="34" charset="0"/>
+              </a:rPr>
               <a:t> </a:t>
             </a:r>
             <a:r>
-              <a:rPr lang="uk-UA" dirty="0" smtClean="0"/>
-              <a:t>};</a:t>
-            </a:r>
-            <a:endParaRPr lang="en-US" dirty="0" smtClean="0"/>
-          </a:p>
-          <a:p>
-            <a:endParaRPr lang="en-US" dirty="0" smtClean="0"/>
-          </a:p>
-          <a:p>
-            <a:r>
-              <a:rPr lang="en-US" dirty="0" err="1" smtClean="0"/>
+              <a:rPr lang="en-US" sz="1400" dirty="0">
+                <a:latin typeface="Calibri" panose="020F0502020204030204" pitchFamily="34" charset="0"/>
+              </a:rPr>
+              <a:t>alert('</a:t>
+            </a:r>
+            <a:r>
+              <a:rPr lang="uk-UA" sz="1400" dirty="0" err="1">
+                <a:latin typeface="Calibri" panose="020F0502020204030204" pitchFamily="34" charset="0"/>
+              </a:rPr>
+              <a:t>Привет</a:t>
+            </a:r>
+            <a:r>
+              <a:rPr lang="uk-UA" sz="1400" dirty="0">
+                <a:latin typeface="Calibri" panose="020F0502020204030204" pitchFamily="34" charset="0"/>
+              </a:rPr>
+              <a:t>!'); }; </a:t>
+            </a:r>
+            <a:endParaRPr lang="en-US" sz="1400" dirty="0">
+              <a:latin typeface="Calibri" panose="020F0502020204030204" pitchFamily="34" charset="0"/>
+            </a:endParaRPr>
+          </a:p>
+          <a:p>
+            <a:endParaRPr lang="en-US" sz="1400" dirty="0">
+              <a:latin typeface="Calibri" panose="020F0502020204030204" pitchFamily="34" charset="0"/>
+            </a:endParaRPr>
+          </a:p>
+          <a:p>
+            <a:r>
+              <a:rPr lang="uk-UA" sz="1400" dirty="0">
+                <a:latin typeface="Calibri" panose="020F0502020204030204" pitchFamily="34" charset="0"/>
+              </a:rPr>
+              <a:t> </a:t>
+            </a:r>
+            <a:r>
+              <a:rPr lang="en-US" sz="1400" dirty="0" err="1">
+                <a:latin typeface="Calibri" panose="020F0502020204030204" pitchFamily="34" charset="0"/>
+              </a:rPr>
               <a:t>user.sayHi</a:t>
             </a:r>
             <a:r>
-              <a:rPr lang="en-US" dirty="0" smtClean="0"/>
-              <a:t> = function() </a:t>
-            </a:r>
-            <a:r>
-              <a:rPr lang="en-US" dirty="0" smtClean="0"/>
-              <a:t>{</a:t>
-            </a:r>
-            <a:r>
-              <a:rPr lang="uk-UA" dirty="0" smtClean="0"/>
-              <a:t> </a:t>
-            </a:r>
-            <a:r>
-              <a:rPr lang="en-US" dirty="0" smtClean="0"/>
-              <a:t>alert('</a:t>
-            </a:r>
-            <a:r>
-              <a:rPr lang="uk-UA" dirty="0" err="1" smtClean="0"/>
-              <a:t>Привет</a:t>
-            </a:r>
-            <a:r>
-              <a:rPr lang="uk-UA" dirty="0" smtClean="0"/>
-              <a:t>!'); }; </a:t>
-            </a:r>
-            <a:endParaRPr lang="en-US" dirty="0" smtClean="0"/>
-          </a:p>
-          <a:p>
-            <a:endParaRPr lang="en-US" dirty="0" smtClean="0"/>
-          </a:p>
-          <a:p>
-            <a:r>
-              <a:rPr lang="uk-UA" dirty="0" smtClean="0"/>
-              <a:t> </a:t>
-            </a:r>
-            <a:r>
-              <a:rPr lang="en-US" dirty="0" err="1" smtClean="0"/>
-              <a:t>user.sayHi</a:t>
-            </a:r>
-            <a:r>
-              <a:rPr lang="en-US" dirty="0" smtClean="0"/>
+              <a:rPr lang="en-US" sz="1400" dirty="0">
+                <a:latin typeface="Calibri" panose="020F0502020204030204" pitchFamily="34" charset="0"/>
+              </a:rPr>
               <a:t>();</a:t>
             </a:r>
-            <a:endParaRPr lang="en-US" dirty="0"/>
           </a:p>
         </p:txBody>
       </p:sp>
     </p:spTree>
     <p:extLst>
       <p:ext uri="{BB962C8B-B14F-4D97-AF65-F5344CB8AC3E}">
-        <p14:creationId xmlns:p14="http://schemas.microsoft.com/office/powerpoint/2010/main" xmlns="" val="9290874"/>
+        <p14:creationId xmlns:p14="http://schemas.microsoft.com/office/powerpoint/2010/main" val="9290874"/>
       </p:ext>
     </p:extLst>
   </p:cSld>
   <p:clrMapOvr>
     <a:masterClrMapping/>
   </p:clrMapOvr>
-  <p:timing>
-    <p:tnLst>
-      <p:par>
-        <p:cTn id="1" dur="indefinite" restart="never" nodeType="tmRoot"/>
-      </p:par>
-    </p:tnLst>
-  </p:timing>
 </p:sld>
 </file>
 
@@ -2526,7 +2547,7 @@
         <p:spPr>
           <a:xfrm>
             <a:off x="457200" y="209550"/>
-            <a:ext cx="8229600" cy="899160"/>
+            <a:ext cx="8229600" cy="533400"/>
           </a:xfrm>
         </p:spPr>
         <p:txBody>
@@ -2534,8 +2555,8 @@
           <a:lstStyle/>
           <a:p>
             <a:r>
-              <a:rPr lang="en-US" sz="5400" dirty="0" smtClean="0"/>
-              <a:t>this</a:t>
+              <a:rPr lang="en-US" sz="3200" dirty="0"/>
+              <a:t>This</a:t>
             </a:r>
             <a:endParaRPr lang="en-US" sz="5400" dirty="0"/>
           </a:p>
@@ -2550,7 +2571,7 @@
         <p:spPr>
           <a:xfrm>
             <a:off x="457200" y="1291590"/>
-            <a:ext cx="8229600" cy="3139321"/>
+            <a:ext cx="8229600" cy="2031325"/>
           </a:xfrm>
           <a:prstGeom prst="rect">
             <a:avLst/>
@@ -2564,112 +2585,143 @@
           <a:lstStyle/>
           <a:p>
             <a:r>
-              <a:rPr lang="ru-RU" dirty="0" smtClean="0"/>
+              <a:rPr lang="ru-RU" sz="1400" dirty="0">
+                <a:latin typeface="Calibri" panose="020F0502020204030204" pitchFamily="34" charset="0"/>
+              </a:rPr>
               <a:t>Для доступа к текущему объекту из метода используется ключевое слово </a:t>
             </a:r>
             <a:r>
-              <a:rPr lang="ru-RU" dirty="0" err="1" smtClean="0"/>
+              <a:rPr lang="ru-RU" sz="1400" dirty="0" err="1">
+                <a:latin typeface="Calibri" panose="020F0502020204030204" pitchFamily="34" charset="0"/>
+              </a:rPr>
               <a:t>this</a:t>
             </a:r>
             <a:r>
-              <a:rPr lang="ru-RU" dirty="0" smtClean="0"/>
+              <a:rPr lang="ru-RU" sz="1400" dirty="0">
+                <a:latin typeface="Calibri" panose="020F0502020204030204" pitchFamily="34" charset="0"/>
+              </a:rPr>
               <a:t>.</a:t>
             </a:r>
             <a:r>
-              <a:rPr lang="en-US" dirty="0" smtClean="0"/>
+              <a:rPr lang="en-US" sz="1400" dirty="0">
+                <a:latin typeface="Calibri" panose="020F0502020204030204" pitchFamily="34" charset="0"/>
+              </a:rPr>
               <a:t> </a:t>
             </a:r>
           </a:p>
           <a:p>
-            <a:endParaRPr lang="en-US" dirty="0" smtClean="0"/>
-          </a:p>
-          <a:p>
-            <a:r>
-              <a:rPr lang="ru-RU" dirty="0" smtClean="0"/>
-              <a:t>Любая </a:t>
-            </a:r>
-            <a:r>
-              <a:rPr lang="ru-RU" dirty="0" smtClean="0"/>
-              <a:t>функция может иметь в себе </a:t>
-            </a:r>
-            <a:r>
-              <a:rPr lang="ru-RU" dirty="0" err="1" smtClean="0"/>
+            <a:endParaRPr lang="en-US" sz="1400" dirty="0">
+              <a:latin typeface="Calibri" panose="020F0502020204030204" pitchFamily="34" charset="0"/>
+            </a:endParaRPr>
+          </a:p>
+          <a:p>
+            <a:r>
+              <a:rPr lang="ru-RU" sz="1400" dirty="0">
+                <a:latin typeface="Calibri" panose="020F0502020204030204" pitchFamily="34" charset="0"/>
+              </a:rPr>
+              <a:t>Любая функция может иметь в себе </a:t>
+            </a:r>
+            <a:r>
+              <a:rPr lang="ru-RU" sz="1400" dirty="0" err="1">
+                <a:latin typeface="Calibri" panose="020F0502020204030204" pitchFamily="34" charset="0"/>
+              </a:rPr>
               <a:t>this</a:t>
             </a:r>
             <a:r>
-              <a:rPr lang="ru-RU" dirty="0" smtClean="0"/>
+              <a:rPr lang="ru-RU" sz="1400" dirty="0">
+                <a:latin typeface="Calibri" panose="020F0502020204030204" pitchFamily="34" charset="0"/>
+              </a:rPr>
               <a:t>. Совершенно неважно, объявлена ли она в объекте или отдельно от него.</a:t>
             </a:r>
-          </a:p>
-          <a:p>
-            <a:r>
-              <a:rPr lang="ru-RU" dirty="0" smtClean="0"/>
+            <a:endParaRPr lang="en-US" sz="1400" dirty="0">
+              <a:latin typeface="Calibri" panose="020F0502020204030204" pitchFamily="34" charset="0"/>
+            </a:endParaRPr>
+          </a:p>
+          <a:p>
+            <a:endParaRPr lang="ru-RU" sz="1400" dirty="0">
+              <a:latin typeface="Calibri" panose="020F0502020204030204" pitchFamily="34" charset="0"/>
+            </a:endParaRPr>
+          </a:p>
+          <a:p>
+            <a:r>
+              <a:rPr lang="ru-RU" sz="1400" dirty="0">
+                <a:latin typeface="Calibri" panose="020F0502020204030204" pitchFamily="34" charset="0"/>
+              </a:rPr>
               <a:t>Значение </a:t>
             </a:r>
             <a:r>
-              <a:rPr lang="ru-RU" dirty="0" err="1" smtClean="0"/>
+              <a:rPr lang="ru-RU" sz="1400" dirty="0" err="1">
+                <a:latin typeface="Calibri" panose="020F0502020204030204" pitchFamily="34" charset="0"/>
+              </a:rPr>
               <a:t>this</a:t>
             </a:r>
             <a:r>
-              <a:rPr lang="ru-RU" dirty="0" smtClean="0"/>
+              <a:rPr lang="ru-RU" sz="1400" dirty="0">
+                <a:latin typeface="Calibri" panose="020F0502020204030204" pitchFamily="34" charset="0"/>
+              </a:rPr>
               <a:t> называется </a:t>
             </a:r>
             <a:r>
-              <a:rPr lang="ru-RU" i="1" dirty="0" smtClean="0"/>
+              <a:rPr lang="ru-RU" sz="1400" i="1" dirty="0">
+                <a:latin typeface="Calibri" panose="020F0502020204030204" pitchFamily="34" charset="0"/>
+              </a:rPr>
               <a:t>контекстом вызова</a:t>
             </a:r>
             <a:r>
-              <a:rPr lang="ru-RU" dirty="0" smtClean="0"/>
-              <a:t> и будет определено в момент вызова функции</a:t>
-            </a:r>
-            <a:r>
-              <a:rPr lang="ru-RU" dirty="0" smtClean="0"/>
-              <a:t>.</a:t>
-            </a:r>
-            <a:r>
-              <a:rPr lang="en-US" dirty="0" smtClean="0"/>
+              <a:rPr lang="ru-RU" sz="1400" dirty="0">
+                <a:latin typeface="Calibri" panose="020F0502020204030204" pitchFamily="34" charset="0"/>
+              </a:rPr>
+              <a:t> и будет определено в момент вызова функции.</a:t>
+            </a:r>
+            <a:r>
+              <a:rPr lang="en-US" sz="1400" dirty="0">
+                <a:latin typeface="Calibri" panose="020F0502020204030204" pitchFamily="34" charset="0"/>
+              </a:rPr>
               <a:t> </a:t>
             </a:r>
           </a:p>
           <a:p>
-            <a:endParaRPr lang="en-US" dirty="0" smtClean="0"/>
-          </a:p>
-          <a:p>
-            <a:r>
-              <a:rPr lang="ru-RU" dirty="0" smtClean="0"/>
+            <a:endParaRPr lang="en-US" sz="1400" dirty="0">
+              <a:latin typeface="Calibri" panose="020F0502020204030204" pitchFamily="34" charset="0"/>
+            </a:endParaRPr>
+          </a:p>
+          <a:p>
+            <a:r>
+              <a:rPr lang="ru-RU" sz="1400" dirty="0">
+                <a:latin typeface="Calibri" panose="020F0502020204030204" pitchFamily="34" charset="0"/>
+              </a:rPr>
               <a:t>Контекст </a:t>
             </a:r>
             <a:r>
-              <a:rPr lang="ru-RU" dirty="0" err="1" smtClean="0"/>
+              <a:rPr lang="ru-RU" sz="1400" dirty="0" err="1">
+                <a:latin typeface="Calibri" panose="020F0502020204030204" pitchFamily="34" charset="0"/>
+              </a:rPr>
               <a:t>this</a:t>
             </a:r>
             <a:r>
-              <a:rPr lang="ru-RU" dirty="0" smtClean="0"/>
+              <a:rPr lang="ru-RU" sz="1400" dirty="0">
+                <a:latin typeface="Calibri" panose="020F0502020204030204" pitchFamily="34" charset="0"/>
+              </a:rPr>
               <a:t> никак не привязан к функции, даже если она создана в объявлении объекта.</a:t>
             </a:r>
           </a:p>
           <a:p>
-            <a:endParaRPr lang="en-US" dirty="0"/>
+            <a:endParaRPr lang="en-US" sz="1400" dirty="0">
+              <a:latin typeface="Calibri" panose="020F0502020204030204" pitchFamily="34" charset="0"/>
+            </a:endParaRPr>
           </a:p>
         </p:txBody>
       </p:sp>
     </p:spTree>
     <p:extLst>
       <p:ext uri="{BB962C8B-B14F-4D97-AF65-F5344CB8AC3E}">
-        <p14:creationId xmlns:p14="http://schemas.microsoft.com/office/powerpoint/2010/main" xmlns="" val="4126915530"/>
+        <p14:creationId xmlns:p14="http://schemas.microsoft.com/office/powerpoint/2010/main" val="4126915530"/>
       </p:ext>
     </p:extLst>
   </p:cSld>
   <p:clrMapOvr>
     <a:masterClrMapping/>
   </p:clrMapOvr>
-  <p:timing>
-    <p:tnLst>
-      <p:par>
-        <p:cTn id="1" dur="indefinite" restart="never" nodeType="tmRoot"/>
-      </p:par>
-    </p:tnLst>
-  </p:timing>
 </p:sld>
 </file>
 
@@ -2711,7 +2763,7 @@
           <a:lstStyle/>
           <a:p>
             <a:r>
-              <a:rPr lang="ru-RU" dirty="0" smtClean="0"/>
+              <a:rPr lang="ru-RU" dirty="0"/>
               <a:t>Функция-конструктор</a:t>
             </a:r>
             <a:endParaRPr lang="en-US" dirty="0"/>
@@ -2727,7 +2779,7 @@
         <p:spPr>
           <a:xfrm>
             <a:off x="457200" y="1291590"/>
-            <a:ext cx="8229600" cy="3139321"/>
+            <a:ext cx="8229600" cy="2246769"/>
           </a:xfrm>
           <a:prstGeom prst="rect">
             <a:avLst/>
@@ -2741,59 +2793,61 @@
           <a:lstStyle/>
           <a:p>
             <a:r>
-              <a:rPr lang="ru-RU" dirty="0" smtClean="0"/>
-              <a:t>Функция-конструктор - </a:t>
-            </a:r>
-            <a:r>
-              <a:rPr lang="ru-RU" dirty="0" smtClean="0"/>
-              <a:t>любая функция, вызванная через </a:t>
-            </a:r>
-            <a:r>
-              <a:rPr lang="ru-RU" dirty="0" err="1" smtClean="0"/>
+              <a:rPr lang="ru-RU" sz="1400" dirty="0">
+                <a:latin typeface="Calibri" panose="020F0502020204030204" pitchFamily="34" charset="0"/>
+              </a:rPr>
+              <a:t>Функция-конструктор - любая функция, вызванная через </a:t>
+            </a:r>
+            <a:r>
+              <a:rPr lang="ru-RU" sz="1400" dirty="0" err="1">
+                <a:latin typeface="Calibri" panose="020F0502020204030204" pitchFamily="34" charset="0"/>
+              </a:rPr>
               <a:t>new</a:t>
             </a:r>
             <a:r>
-              <a:rPr lang="ru-RU" dirty="0" smtClean="0"/>
-              <a:t>. Технически</a:t>
-            </a:r>
-            <a:r>
-              <a:rPr lang="ru-RU" dirty="0" smtClean="0"/>
-              <a:t>, любая функция может быть использована как конструктор</a:t>
-            </a:r>
-            <a:r>
-              <a:rPr lang="ru-RU" dirty="0" smtClean="0"/>
-              <a:t>. </a:t>
-            </a:r>
-          </a:p>
-          <a:p>
-            <a:endParaRPr lang="ru-RU" dirty="0" smtClean="0"/>
-          </a:p>
-          <a:p>
-            <a:r>
-              <a:rPr lang="ru-RU" dirty="0" smtClean="0"/>
+              <a:rPr lang="ru-RU" sz="1400" dirty="0">
+                <a:latin typeface="Calibri" panose="020F0502020204030204" pitchFamily="34" charset="0"/>
+              </a:rPr>
+              <a:t>. Технически, любая функция может быть использована как конструктор. </a:t>
+            </a:r>
+          </a:p>
+          <a:p>
+            <a:endParaRPr lang="ru-RU" sz="1400" dirty="0">
+              <a:latin typeface="Calibri" panose="020F0502020204030204" pitchFamily="34" charset="0"/>
+            </a:endParaRPr>
+          </a:p>
+          <a:p>
+            <a:r>
+              <a:rPr lang="ru-RU" sz="1400" dirty="0">
+                <a:latin typeface="Calibri" panose="020F0502020204030204" pitchFamily="34" charset="0"/>
+              </a:rPr>
               <a:t>Детальнее – функция, запущенная через </a:t>
             </a:r>
             <a:r>
-              <a:rPr lang="ru-RU" dirty="0" err="1" smtClean="0"/>
+              <a:rPr lang="ru-RU" sz="1400" dirty="0" err="1">
+                <a:latin typeface="Calibri" panose="020F0502020204030204" pitchFamily="34" charset="0"/>
+              </a:rPr>
               <a:t>new</a:t>
             </a:r>
             <a:r>
-              <a:rPr lang="ru-RU" dirty="0" smtClean="0"/>
+              <a:rPr lang="ru-RU" sz="1400" dirty="0">
+                <a:latin typeface="Calibri" panose="020F0502020204030204" pitchFamily="34" charset="0"/>
+              </a:rPr>
               <a:t>, делает следующее:</a:t>
             </a:r>
           </a:p>
           <a:p>
             <a:r>
-              <a:rPr lang="ru-RU" dirty="0" smtClean="0"/>
-              <a:t>Создаётся новый пустой объект</a:t>
-            </a:r>
-            <a:r>
-              <a:rPr lang="ru-RU" dirty="0" smtClean="0"/>
-              <a:t>.</a:t>
-            </a:r>
-          </a:p>
-          <a:p>
-            <a:endParaRPr lang="ru-RU" dirty="0" smtClean="0"/>
+              <a:rPr lang="ru-RU" sz="1400" dirty="0">
+                <a:latin typeface="Calibri" panose="020F0502020204030204" pitchFamily="34" charset="0"/>
+              </a:rPr>
+              <a:t>Создаётся новый пустой объект.</a:t>
+            </a:r>
+          </a:p>
+          <a:p>
+            <a:endParaRPr lang="ru-RU" sz="1400" dirty="0">
+              <a:latin typeface="Calibri" panose="020F0502020204030204" pitchFamily="34" charset="0"/>
+            </a:endParaRPr>
           </a:p>
           <a:p>
             <a:pPr marL="342900" indent="-342900">
@@ -2801,15 +2855,21 @@
               <a:buChar char="§"/>
             </a:pPr>
             <a:r>
-              <a:rPr lang="ru-RU" dirty="0" smtClean="0"/>
+              <a:rPr lang="ru-RU" sz="1400" dirty="0">
+                <a:latin typeface="Calibri" panose="020F0502020204030204" pitchFamily="34" charset="0"/>
+              </a:rPr>
               <a:t>Ключевое слово </a:t>
             </a:r>
             <a:r>
-              <a:rPr lang="ru-RU" dirty="0" err="1" smtClean="0"/>
+              <a:rPr lang="ru-RU" sz="1400" dirty="0" err="1">
+                <a:latin typeface="Calibri" panose="020F0502020204030204" pitchFamily="34" charset="0"/>
+              </a:rPr>
               <a:t>this</a:t>
             </a:r>
             <a:r>
-              <a:rPr lang="ru-RU" dirty="0" smtClean="0"/>
+              <a:rPr lang="ru-RU" sz="1400" dirty="0">
+                <a:latin typeface="Calibri" panose="020F0502020204030204" pitchFamily="34" charset="0"/>
+              </a:rPr>
               <a:t> получает ссылку на этот объект.</a:t>
             </a:r>
           </a:p>
@@ -2819,15 +2879,21 @@
               <a:buChar char="§"/>
             </a:pPr>
             <a:r>
-              <a:rPr lang="ru-RU" dirty="0" smtClean="0"/>
+              <a:rPr lang="ru-RU" sz="1400" dirty="0">
+                <a:latin typeface="Calibri" panose="020F0502020204030204" pitchFamily="34" charset="0"/>
+              </a:rPr>
               <a:t>Функция выполняется. Как правило, она модифицирует </a:t>
             </a:r>
             <a:r>
-              <a:rPr lang="ru-RU" dirty="0" err="1" smtClean="0"/>
+              <a:rPr lang="ru-RU" sz="1400" dirty="0" err="1">
+                <a:latin typeface="Calibri" panose="020F0502020204030204" pitchFamily="34" charset="0"/>
+              </a:rPr>
               <a:t>this</a:t>
             </a:r>
             <a:r>
-              <a:rPr lang="ru-RU" dirty="0" smtClean="0"/>
+              <a:rPr lang="ru-RU" sz="1400" dirty="0">
+                <a:latin typeface="Calibri" panose="020F0502020204030204" pitchFamily="34" charset="0"/>
+              </a:rPr>
               <a:t>, добавляет методы, свойства.</a:t>
             </a:r>
           </a:p>
@@ -2837,44 +2903,47 @@
               <a:buChar char="§"/>
             </a:pPr>
             <a:r>
-              <a:rPr lang="ru-RU" dirty="0" smtClean="0"/>
+              <a:rPr lang="ru-RU" sz="1400" dirty="0">
+                <a:latin typeface="Calibri" panose="020F0502020204030204" pitchFamily="34" charset="0"/>
+              </a:rPr>
               <a:t>Возвращается </a:t>
             </a:r>
             <a:r>
-              <a:rPr lang="ru-RU" dirty="0" err="1" smtClean="0"/>
+              <a:rPr lang="ru-RU" sz="1400" dirty="0" err="1">
+                <a:latin typeface="Calibri" panose="020F0502020204030204" pitchFamily="34" charset="0"/>
+              </a:rPr>
               <a:t>this</a:t>
             </a:r>
             <a:r>
-              <a:rPr lang="ru-RU" dirty="0" smtClean="0"/>
+              <a:rPr lang="ru-RU" sz="1400" dirty="0">
+                <a:latin typeface="Calibri" panose="020F0502020204030204" pitchFamily="34" charset="0"/>
+              </a:rPr>
               <a:t>.</a:t>
             </a:r>
           </a:p>
           <a:p>
             <a:r>
-              <a:rPr lang="ru-RU" dirty="0" smtClean="0"/>
+              <a:rPr lang="ru-RU" sz="1400" dirty="0">
+                <a:latin typeface="Calibri" panose="020F0502020204030204" pitchFamily="34" charset="0"/>
+              </a:rPr>
               <a:t> </a:t>
             </a:r>
-            <a:endParaRPr lang="en-US" dirty="0"/>
+            <a:endParaRPr lang="en-US" sz="1400" dirty="0">
+              <a:latin typeface="Calibri" panose="020F0502020204030204" pitchFamily="34" charset="0"/>
+            </a:endParaRPr>
           </a:p>
         </p:txBody>
       </p:sp>
     </p:spTree>
     <p:extLst>
       <p:ext uri="{BB962C8B-B14F-4D97-AF65-F5344CB8AC3E}">
-        <p14:creationId xmlns:p14="http://schemas.microsoft.com/office/powerpoint/2010/main" xmlns="" val="2015409003"/>
+        <p14:creationId xmlns:p14="http://schemas.microsoft.com/office/powerpoint/2010/main" val="2015409003"/>
       </p:ext>
     </p:extLst>
   </p:cSld>
   <p:clrMapOvr>
     <a:masterClrMapping/>
   </p:clrMapOvr>
-  <p:timing>
-    <p:tnLst>
-      <p:par>
-        <p:cTn id="1" dur="indefinite" restart="never" nodeType="tmRoot"/>
-      </p:par>
-    </p:tnLst>
-  </p:timing>
 </p:sld>
 </file>
 
@@ -2911,7 +2980,7 @@
           <a:lstStyle/>
           <a:p>
             <a:r>
-              <a:rPr lang="ru-RU" dirty="0" smtClean="0"/>
+              <a:rPr lang="ru-RU" dirty="0"/>
               <a:t>Статические и фабричные методы объекта</a:t>
             </a:r>
             <a:endParaRPr lang="en-US" dirty="0"/>
@@ -2942,7 +3011,7 @@
           <a:p>
             <a:pPr algn="ctr"/>
             <a:r>
-              <a:rPr lang="ru-RU" dirty="0" smtClean="0"/>
+              <a:rPr lang="ru-RU" dirty="0"/>
               <a:t>Статические методы </a:t>
             </a:r>
             <a:endParaRPr lang="en-US" dirty="0"/>
@@ -2973,8 +3042,14 @@
           <a:p>
             <a:pPr algn="ctr"/>
             <a:r>
-              <a:rPr lang="ru-RU" dirty="0" smtClean="0"/>
-              <a:t>Фабричные методы</a:t>
+              <a:rPr lang="ru-RU" dirty="0">
+                <a:latin typeface="Calibri" panose="020F0502020204030204" pitchFamily="34" charset="0"/>
+              </a:rPr>
+              <a:t>Фабричные</a:t>
+            </a:r>
+            <a:r>
+              <a:rPr lang="ru-RU" dirty="0"/>
+              <a:t> методы</a:t>
             </a:r>
             <a:endParaRPr lang="en-US" dirty="0"/>
           </a:p>
@@ -2989,7 +3064,7 @@
         <p:spPr>
           <a:xfrm>
             <a:off x="4754880" y="1840230"/>
-            <a:ext cx="3931920" cy="2862322"/>
+            <a:ext cx="3931920" cy="2462213"/>
           </a:xfrm>
           <a:prstGeom prst="rect">
             <a:avLst/>
@@ -3004,114 +3079,187 @@
           <a:p>
             <a:pPr algn="just"/>
             <a:r>
-              <a:rPr lang="ru-RU" dirty="0" smtClean="0"/>
-              <a:t>«</a:t>
-            </a:r>
-            <a:r>
-              <a:rPr lang="ru-RU" dirty="0" smtClean="0"/>
-              <a:t>Фабричный метод</a:t>
-            </a:r>
-            <a:r>
-              <a:rPr lang="ru-RU" dirty="0" smtClean="0"/>
-              <a:t>» </a:t>
-            </a:r>
-            <a:r>
-              <a:rPr lang="ru-RU" dirty="0" smtClean="0"/>
-              <a:t>–метод</a:t>
-            </a:r>
-            <a:r>
-              <a:rPr lang="ru-RU" dirty="0" smtClean="0"/>
-              <a:t>, который служит для создания новых </a:t>
-            </a:r>
-            <a:r>
-              <a:rPr lang="ru-RU" dirty="0" smtClean="0"/>
-              <a:t>объектов. </a:t>
+              <a:rPr lang="ru-RU" sz="1400" dirty="0">
+                <a:latin typeface="Calibri" panose="020F0502020204030204" pitchFamily="34" charset="0"/>
+              </a:rPr>
+              <a:t>«Фабричный метод» –</a:t>
+            </a:r>
+            <a:r>
+              <a:rPr lang="en-US" sz="1400" dirty="0">
+                <a:latin typeface="Calibri" panose="020F0502020204030204" pitchFamily="34" charset="0"/>
+              </a:rPr>
+              <a:t> </a:t>
+            </a:r>
+            <a:r>
+              <a:rPr lang="ru-RU" sz="1400" dirty="0">
+                <a:latin typeface="Calibri" panose="020F0502020204030204" pitchFamily="34" charset="0"/>
+              </a:rPr>
+              <a:t>метод, который служит для создания новых объектов. </a:t>
             </a:r>
           </a:p>
           <a:p>
             <a:pPr algn="just"/>
-            <a:endParaRPr lang="ru-RU" dirty="0" smtClean="0"/>
+            <a:endParaRPr lang="ru-RU" sz="1400" dirty="0">
+              <a:latin typeface="Calibri" panose="020F0502020204030204" pitchFamily="34" charset="0"/>
+            </a:endParaRPr>
           </a:p>
           <a:p>
             <a:pPr algn="just"/>
             <a:r>
-              <a:rPr lang="ru-RU" dirty="0" smtClean="0"/>
-              <a:t>Пример встроенного фабричного метода  </a:t>
-            </a:r>
-            <a:r>
-              <a:rPr lang="ru-RU" dirty="0" err="1" smtClean="0">
+              <a:rPr lang="ru-RU" sz="1400" dirty="0">
+                <a:latin typeface="Calibri" panose="020F0502020204030204" pitchFamily="34" charset="0"/>
+              </a:rPr>
+              <a:t>Пример встроенного фабричного метод</a:t>
+            </a:r>
+            <a:r>
+              <a:rPr lang="en-US" sz="1400" dirty="0">
+                <a:latin typeface="Calibri" panose="020F0502020204030204" pitchFamily="34" charset="0"/>
+              </a:rPr>
+              <a:t>:</a:t>
+            </a:r>
+            <a:r>
+              <a:rPr lang="ru-RU" sz="1400" dirty="0">
+                <a:latin typeface="Calibri" panose="020F0502020204030204" pitchFamily="34" charset="0"/>
+              </a:rPr>
+              <a:t> </a:t>
+            </a:r>
+            <a:endParaRPr lang="en-US" sz="1400" dirty="0">
+              <a:latin typeface="Calibri" panose="020F0502020204030204" pitchFamily="34" charset="0"/>
+            </a:endParaRPr>
+          </a:p>
+          <a:p>
+            <a:pPr algn="just"/>
+            <a:endParaRPr lang="en-US" sz="1400" dirty="0">
+              <a:latin typeface="Calibri" panose="020F0502020204030204" pitchFamily="34" charset="0"/>
+              <a:hlinkClick r:id="rId2"/>
+            </a:endParaRPr>
+          </a:p>
+          <a:p>
+            <a:pPr algn="just"/>
+            <a:r>
+              <a:rPr lang="ru-RU" sz="1400" dirty="0" err="1">
+                <a:latin typeface="Calibri" panose="020F0502020204030204" pitchFamily="34" charset="0"/>
                 <a:hlinkClick r:id="rId2"/>
               </a:rPr>
               <a:t>String.fromCharCode</a:t>
             </a:r>
             <a:r>
-              <a:rPr lang="ru-RU" dirty="0" smtClean="0">
+              <a:rPr lang="ru-RU" sz="1400" dirty="0">
+                <a:latin typeface="Calibri" panose="020F0502020204030204" pitchFamily="34" charset="0"/>
                 <a:hlinkClick r:id="rId2"/>
               </a:rPr>
               <a:t>(</a:t>
             </a:r>
             <a:r>
-              <a:rPr lang="ru-RU" dirty="0" err="1" smtClean="0">
+              <a:rPr lang="ru-RU" sz="1400" dirty="0" err="1">
+                <a:latin typeface="Calibri" panose="020F0502020204030204" pitchFamily="34" charset="0"/>
                 <a:hlinkClick r:id="rId2"/>
               </a:rPr>
               <a:t>code</a:t>
             </a:r>
             <a:r>
-              <a:rPr lang="ru-RU" dirty="0" smtClean="0">
+              <a:rPr lang="ru-RU" sz="1400" dirty="0">
+                <a:latin typeface="Calibri" panose="020F0502020204030204" pitchFamily="34" charset="0"/>
                 <a:hlinkClick r:id="rId2"/>
               </a:rPr>
               <a:t>)</a:t>
             </a:r>
             <a:r>
-              <a:rPr lang="ru-RU" dirty="0" smtClean="0"/>
+              <a:rPr lang="ru-RU" sz="1400" dirty="0">
+                <a:latin typeface="Calibri" panose="020F0502020204030204" pitchFamily="34" charset="0"/>
+              </a:rPr>
               <a:t>. </a:t>
             </a:r>
-            <a:endParaRPr lang="ru-RU" dirty="0" smtClean="0"/>
           </a:p>
           <a:p>
             <a:pPr algn="just"/>
-            <a:r>
-              <a:rPr lang="en-US" dirty="0" err="1" smtClean="0">
+            <a:endParaRPr lang="en-US" sz="1400" dirty="0">
+              <a:solidFill>
+                <a:schemeClr val="accent1">
+                  <a:lumMod val="75000"/>
+                </a:schemeClr>
+              </a:solidFill>
+              <a:latin typeface="Calibri" panose="020F0502020204030204" pitchFamily="34" charset="0"/>
+            </a:endParaRPr>
+          </a:p>
+          <a:p>
+            <a:pPr algn="just"/>
+            <a:r>
+              <a:rPr lang="en-US" sz="1400" dirty="0" err="1">
                 <a:solidFill>
                   <a:schemeClr val="accent1">
                     <a:lumMod val="75000"/>
                   </a:schemeClr>
                 </a:solidFill>
+                <a:latin typeface="Calibri" panose="020F0502020204030204" pitchFamily="34" charset="0"/>
               </a:rPr>
               <a:t>var</a:t>
             </a:r>
             <a:r>
-              <a:rPr lang="en-US" dirty="0" smtClean="0"/>
+              <a:rPr lang="en-US" sz="1400" dirty="0">
+                <a:latin typeface="Calibri" panose="020F0502020204030204" pitchFamily="34" charset="0"/>
+              </a:rPr>
               <a:t> </a:t>
             </a:r>
             <a:r>
-              <a:rPr lang="en-US" dirty="0" err="1" smtClean="0"/>
+              <a:rPr lang="en-US" sz="1400" dirty="0" err="1">
+                <a:latin typeface="Calibri" panose="020F0502020204030204" pitchFamily="34" charset="0"/>
+              </a:rPr>
               <a:t>str</a:t>
             </a:r>
             <a:r>
-              <a:rPr lang="en-US" dirty="0" smtClean="0"/>
+              <a:rPr lang="en-US" sz="1400" dirty="0">
+                <a:latin typeface="Calibri" panose="020F0502020204030204" pitchFamily="34" charset="0"/>
+              </a:rPr>
               <a:t> = </a:t>
             </a:r>
             <a:r>
-              <a:rPr lang="en-US" dirty="0" err="1" smtClean="0"/>
+              <a:rPr lang="en-US" sz="1400" dirty="0" err="1">
+                <a:latin typeface="Calibri" panose="020F0502020204030204" pitchFamily="34" charset="0"/>
+              </a:rPr>
               <a:t>String.fromCharCode</a:t>
             </a:r>
             <a:r>
-              <a:rPr lang="en-US" dirty="0" smtClean="0"/>
-              <a:t>(65); alert( </a:t>
-            </a:r>
-            <a:r>
-              <a:rPr lang="en-US" dirty="0" err="1" smtClean="0"/>
+              <a:rPr lang="en-US" sz="1400" dirty="0">
+                <a:latin typeface="Calibri" panose="020F0502020204030204" pitchFamily="34" charset="0"/>
+              </a:rPr>
+              <a:t>(65); </a:t>
+            </a:r>
+          </a:p>
+          <a:p>
+            <a:pPr algn="just"/>
+            <a:endParaRPr lang="en-US" sz="1400" dirty="0">
+              <a:latin typeface="Calibri" panose="020F0502020204030204" pitchFamily="34" charset="0"/>
+            </a:endParaRPr>
+          </a:p>
+          <a:p>
+            <a:pPr algn="just"/>
+            <a:r>
+              <a:rPr lang="en-US" sz="1400" dirty="0">
+                <a:latin typeface="Calibri" panose="020F0502020204030204" pitchFamily="34" charset="0"/>
+              </a:rPr>
+              <a:t>alert( </a:t>
+            </a:r>
+            <a:r>
+              <a:rPr lang="en-US" sz="1400" dirty="0" err="1">
+                <a:latin typeface="Calibri" panose="020F0502020204030204" pitchFamily="34" charset="0"/>
+              </a:rPr>
               <a:t>str</a:t>
             </a:r>
             <a:r>
-              <a:rPr lang="en-US" dirty="0" smtClean="0"/>
+              <a:rPr lang="en-US" sz="1400" dirty="0">
+                <a:latin typeface="Calibri" panose="020F0502020204030204" pitchFamily="34" charset="0"/>
+              </a:rPr>
               <a:t> ); // 'A'</a:t>
             </a:r>
-            <a:endParaRPr lang="ru-RU" dirty="0" smtClean="0"/>
-          </a:p>
-          <a:p>
-            <a:endParaRPr lang="en-US" dirty="0"/>
+            <a:endParaRPr lang="ru-RU" sz="1400" dirty="0">
+              <a:latin typeface="Calibri" panose="020F0502020204030204" pitchFamily="34" charset="0"/>
+            </a:endParaRPr>
+          </a:p>
+          <a:p>
+            <a:endParaRPr lang="en-US" sz="1400" dirty="0">
+              <a:latin typeface="Calibri" panose="020F0502020204030204" pitchFamily="34" charset="0"/>
+            </a:endParaRPr>
           </a:p>
         </p:txBody>
       </p:sp>
@@ -3124,7 +3272,7 @@
         <p:spPr>
           <a:xfrm>
             <a:off x="457200" y="1840230"/>
-            <a:ext cx="3749040" cy="2862322"/>
+            <a:ext cx="3749040" cy="1815882"/>
           </a:xfrm>
           <a:prstGeom prst="rect">
             <a:avLst/>
@@ -3139,80 +3287,87 @@
           <a:p>
             <a:pPr algn="just"/>
             <a:r>
-              <a:rPr lang="ru-RU" dirty="0" smtClean="0"/>
+              <a:rPr lang="ru-RU" sz="1400" dirty="0">
+                <a:latin typeface="Calibri" panose="020F0502020204030204" pitchFamily="34" charset="0"/>
+              </a:rPr>
               <a:t>Методы и свойства, которые не привязаны к конкретному экземпляру объекта, называют «статическими». Их записывают прямо в саму </a:t>
             </a:r>
             <a:r>
-              <a:rPr lang="ru-RU" dirty="0" err="1" smtClean="0"/>
+              <a:rPr lang="ru-RU" sz="1400" dirty="0" err="1">
+                <a:latin typeface="Calibri" panose="020F0502020204030204" pitchFamily="34" charset="0"/>
+              </a:rPr>
               <a:t>функцию-конструктор</a:t>
             </a:r>
             <a:r>
-              <a:rPr lang="ru-RU" dirty="0" smtClean="0"/>
+              <a:rPr lang="ru-RU" sz="1400" dirty="0">
+                <a:latin typeface="Calibri" panose="020F0502020204030204" pitchFamily="34" charset="0"/>
+              </a:rPr>
               <a:t>. Например</a:t>
             </a:r>
             <a:r>
-              <a:rPr lang="en-US" dirty="0" smtClean="0"/>
+              <a:rPr lang="en-US" sz="1400" dirty="0">
+                <a:latin typeface="Calibri" panose="020F0502020204030204" pitchFamily="34" charset="0"/>
+              </a:rPr>
               <a:t>: </a:t>
             </a:r>
           </a:p>
           <a:p>
             <a:pPr algn="just"/>
-            <a:endParaRPr lang="en-US" dirty="0" smtClean="0"/>
+            <a:endParaRPr lang="en-US" sz="1400" dirty="0">
+              <a:latin typeface="Calibri" panose="020F0502020204030204" pitchFamily="34" charset="0"/>
+            </a:endParaRPr>
           </a:p>
           <a:p>
             <a:pPr algn="just"/>
             <a:r>
-              <a:rPr lang="en-US" dirty="0" smtClean="0"/>
+              <a:rPr lang="en-US" sz="1400" dirty="0">
+                <a:latin typeface="Calibri" panose="020F0502020204030204" pitchFamily="34" charset="0"/>
+              </a:rPr>
               <a:t>function Article() { </a:t>
             </a:r>
-            <a:endParaRPr lang="en-US" dirty="0" smtClean="0"/>
           </a:p>
           <a:p>
             <a:pPr algn="just"/>
             <a:r>
-              <a:rPr lang="en-US" dirty="0" err="1" smtClean="0"/>
+              <a:rPr lang="en-US" sz="1400" dirty="0">
+                <a:latin typeface="Calibri" panose="020F0502020204030204" pitchFamily="34" charset="0"/>
+              </a:rPr>
+              <a:t>      </a:t>
+            </a:r>
+            <a:r>
+              <a:rPr lang="en-US" sz="1400" dirty="0" err="1">
+                <a:latin typeface="Calibri" panose="020F0502020204030204" pitchFamily="34" charset="0"/>
+              </a:rPr>
               <a:t>Article.count</a:t>
             </a:r>
             <a:r>
-              <a:rPr lang="en-US" dirty="0" smtClean="0"/>
-              <a:t>++; </a:t>
-            </a:r>
-            <a:r>
-              <a:rPr lang="en-US" dirty="0" smtClean="0"/>
-              <a:t>//...</a:t>
+              <a:rPr lang="en-US" sz="1400" dirty="0">
+                <a:latin typeface="Calibri" panose="020F0502020204030204" pitchFamily="34" charset="0"/>
+              </a:rPr>
+              <a:t>++; //...</a:t>
             </a:r>
           </a:p>
           <a:p>
             <a:pPr algn="just"/>
             <a:r>
-              <a:rPr lang="en-US" dirty="0" smtClean="0"/>
-              <a:t> </a:t>
-            </a:r>
-            <a:r>
-              <a:rPr lang="en-US" dirty="0" smtClean="0"/>
-              <a:t>}</a:t>
-            </a:r>
-            <a:endParaRPr lang="en-US" dirty="0"/>
+              <a:rPr lang="en-US" sz="1400" dirty="0">
+                <a:latin typeface="Calibri" panose="020F0502020204030204" pitchFamily="34" charset="0"/>
+              </a:rPr>
+              <a:t> }</a:t>
+            </a:r>
           </a:p>
         </p:txBody>
       </p:sp>
     </p:spTree>
     <p:extLst>
       <p:ext uri="{BB962C8B-B14F-4D97-AF65-F5344CB8AC3E}">
-        <p14:creationId xmlns:p14="http://schemas.microsoft.com/office/powerpoint/2010/main" xmlns="" val="384071384"/>
+        <p14:creationId xmlns:p14="http://schemas.microsoft.com/office/powerpoint/2010/main" val="384071384"/>
       </p:ext>
     </p:extLst>
   </p:cSld>
   <p:clrMapOvr>
     <a:masterClrMapping/>
   </p:clrMapOvr>
-  <p:timing>
-    <p:tnLst>
-      <p:par>
-        <p:cTn id="1" dur="indefinite" restart="never" nodeType="tmRoot"/>
-      </p:par>
-    </p:tnLst>
-  </p:timing>
 </p:sld>
 </file>
 
